--- a/devoir.pptx
+++ b/devoir.pptx
@@ -5,7 +5,7 @@
     <p:sldMasterId id="2147483648" r:id="rId1"/>
   </p:sldMasterIdLst>
   <p:notesMasterIdLst>
-    <p:notesMasterId r:id="rId28"/>
+    <p:notesMasterId r:id="rId27"/>
   </p:notesMasterIdLst>
   <p:sldIdLst>
     <p:sldId id="257" r:id="rId2"/>
@@ -23,17 +23,16 @@
     <p:sldId id="265" r:id="rId14"/>
     <p:sldId id="278" r:id="rId15"/>
     <p:sldId id="268" r:id="rId16"/>
-    <p:sldId id="279" r:id="rId17"/>
-    <p:sldId id="269" r:id="rId18"/>
-    <p:sldId id="280" r:id="rId19"/>
-    <p:sldId id="276" r:id="rId20"/>
-    <p:sldId id="261" r:id="rId21"/>
-    <p:sldId id="267" r:id="rId22"/>
-    <p:sldId id="281" r:id="rId23"/>
-    <p:sldId id="270" r:id="rId24"/>
-    <p:sldId id="282" r:id="rId25"/>
-    <p:sldId id="262" r:id="rId26"/>
-    <p:sldId id="271" r:id="rId27"/>
+    <p:sldId id="269" r:id="rId17"/>
+    <p:sldId id="279" r:id="rId18"/>
+    <p:sldId id="276" r:id="rId19"/>
+    <p:sldId id="261" r:id="rId20"/>
+    <p:sldId id="267" r:id="rId21"/>
+    <p:sldId id="281" r:id="rId22"/>
+    <p:sldId id="270" r:id="rId23"/>
+    <p:sldId id="282" r:id="rId24"/>
+    <p:sldId id="262" r:id="rId25"/>
+    <p:sldId id="271" r:id="rId26"/>
   </p:sldIdLst>
   <p:sldSz cx="12192000" cy="6858000"/>
   <p:notesSz cx="6858000" cy="9144000"/>
@@ -46,10 +45,10 @@
         <p:sld r:id="rId14"/>
         <p:sld r:id="rId12"/>
         <p:sld r:id="rId16"/>
-        <p:sld r:id="rId18"/>
-        <p:sld r:id="rId22"/>
-        <p:sld r:id="rId24"/>
-        <p:sld r:id="rId27"/>
+        <p:sld r:id="rId17"/>
+        <p:sld r:id="rId21"/>
+        <p:sld r:id="rId23"/>
+        <p:sld r:id="rId26"/>
       </p:sldLst>
     </p:custShow>
   </p:custShowLst>
@@ -4702,15 +4701,15 @@
   <p:clrMapOvr>
     <a:masterClrMapping/>
   </p:clrMapOvr>
-  <mc:AlternateContent xmlns:mc="http://schemas.openxmlformats.org/markup-compatibility/2006" xmlns:p159="http://schemas.microsoft.com/office/powerpoint/2015/09/main">
-    <mc:Choice Requires="p159">
-      <p:transition xmlns:p14="http://schemas.microsoft.com/office/powerpoint/2010/main" spd="slow" p14:dur="2000" advTm="11000">
-        <p159:morph option="byObject"/>
+  <mc:AlternateContent xmlns:mc="http://schemas.openxmlformats.org/markup-compatibility/2006" xmlns:p14="http://schemas.microsoft.com/office/powerpoint/2010/main">
+    <mc:Choice Requires="p14">
+      <p:transition spd="slow" p14:dur="2000" advTm="11000">
+        <p:wipe/>
       </p:transition>
     </mc:Choice>
     <mc:Fallback xmlns="">
       <p:transition spd="slow" advTm="11000">
-        <p:fade/>
+        <p:wipe/>
       </p:transition>
     </mc:Fallback>
   </mc:AlternateContent>
@@ -4946,12 +4945,16 @@
   <p:clrMapOvr>
     <a:masterClrMapping/>
   </p:clrMapOvr>
-  <mc:AlternateContent xmlns:mc="http://schemas.openxmlformats.org/markup-compatibility/2006" xmlns:p14="http://schemas.microsoft.com/office/powerpoint/2010/main">
-    <mc:Choice Requires="p14">
-      <p:transition spd="slow" p14:dur="2000" advTm="12000"/>
+  <mc:AlternateContent xmlns:mc="http://schemas.openxmlformats.org/markup-compatibility/2006">
+    <mc:Choice xmlns:p159="http://schemas.microsoft.com/office/powerpoint/2015/09/main" Requires="p159">
+      <p:transition xmlns:p14="http://schemas.microsoft.com/office/powerpoint/2010/main" spd="slow" p14:dur="2000" advTm="9000">
+        <p159:morph option="byObject"/>
+      </p:transition>
     </mc:Choice>
-    <mc:Fallback xmlns="">
-      <p:transition spd="slow" advTm="12000"/>
+    <mc:Fallback>
+      <p:transition spd="slow" advTm="9000">
+        <p:fade/>
+      </p:transition>
     </mc:Fallback>
   </mc:AlternateContent>
 </p:sld>
@@ -5225,10 +5228,14 @@
   </p:clrMapOvr>
   <mc:AlternateContent xmlns:mc="http://schemas.openxmlformats.org/markup-compatibility/2006" xmlns:p14="http://schemas.microsoft.com/office/powerpoint/2010/main">
     <mc:Choice Requires="p14">
-      <p:transition spd="slow" p14:dur="2000" advTm="10000"/>
+      <p:transition spd="slow" p14:dur="2000" advTm="10000">
+        <p:fade/>
+      </p:transition>
     </mc:Choice>
     <mc:Fallback xmlns="">
-      <p:transition spd="slow" advTm="10000"/>
+      <p:transition spd="slow" advTm="10000">
+        <p:fade/>
+      </p:transition>
     </mc:Fallback>
   </mc:AlternateContent>
 </p:sld>
@@ -5334,7 +5341,7 @@
           <p:cNvPr id="3" name="Image 2">
             <a:extLst>
               <a:ext uri="{FF2B5EF4-FFF2-40B4-BE49-F238E27FC236}">
-                <a16:creationId xmlns:a16="http://schemas.microsoft.com/office/drawing/2014/main" id="{062BB14B-25EE-F0D6-6D59-8962FAE6EE74}"/>
+                <a16:creationId xmlns:a16="http://schemas.microsoft.com/office/drawing/2014/main" id="{0F459D73-5EF4-B180-BD96-D32858C6D493}"/>
               </a:ext>
             </a:extLst>
           </p:cNvPr>
@@ -5357,8 +5364,8 @@
         </p:blipFill>
         <p:spPr>
           <a:xfrm>
-            <a:off x="2717158" y="0"/>
-            <a:ext cx="6757684" cy="6858000"/>
+            <a:off x="381000" y="214312"/>
+            <a:ext cx="11430000" cy="6429375"/>
           </a:xfrm>
           <a:prstGeom prst="rect">
             <a:avLst/>
@@ -5368,19 +5375,23 @@
     </p:spTree>
     <p:extLst>
       <p:ext uri="{BB962C8B-B14F-4D97-AF65-F5344CB8AC3E}">
-        <p14:creationId xmlns:p14="http://schemas.microsoft.com/office/powerpoint/2010/main" val="3576550956"/>
+        <p14:creationId xmlns:p14="http://schemas.microsoft.com/office/powerpoint/2010/main" val="2101721499"/>
       </p:ext>
     </p:extLst>
   </p:cSld>
   <p:clrMapOvr>
     <a:masterClrMapping/>
   </p:clrMapOvr>
-  <mc:AlternateContent xmlns:mc="http://schemas.openxmlformats.org/markup-compatibility/2006" xmlns:p14="http://schemas.microsoft.com/office/powerpoint/2010/main">
-    <mc:Choice Requires="p14">
-      <p:transition spd="slow" p14:dur="2000" advTm="10000"/>
+  <mc:AlternateContent xmlns:mc="http://schemas.openxmlformats.org/markup-compatibility/2006" xmlns:p159="http://schemas.microsoft.com/office/powerpoint/2015/09/main">
+    <mc:Choice Requires="p159">
+      <p:transition xmlns:p14="http://schemas.microsoft.com/office/powerpoint/2010/main" spd="slow" p14:dur="2000" advTm="10000">
+        <p159:morph option="byObject"/>
+      </p:transition>
     </mc:Choice>
     <mc:Fallback xmlns="">
-      <p:transition spd="slow" advTm="10000"/>
+      <p:transition spd="slow" advTm="10000">
+        <p:fade/>
+      </p:transition>
     </mc:Fallback>
   </mc:AlternateContent>
 </p:sld>
@@ -5408,7 +5419,7 @@
           <p:cNvPr id="3" name="Image 2">
             <a:extLst>
               <a:ext uri="{FF2B5EF4-FFF2-40B4-BE49-F238E27FC236}">
-                <a16:creationId xmlns:a16="http://schemas.microsoft.com/office/drawing/2014/main" id="{0F459D73-5EF4-B180-BD96-D32858C6D493}"/>
+                <a16:creationId xmlns:a16="http://schemas.microsoft.com/office/drawing/2014/main" id="{062BB14B-25EE-F0D6-6D59-8962FAE6EE74}"/>
               </a:ext>
             </a:extLst>
           </p:cNvPr>
@@ -5431,8 +5442,8 @@
         </p:blipFill>
         <p:spPr>
           <a:xfrm>
-            <a:off x="381000" y="214312"/>
-            <a:ext cx="11430000" cy="6429375"/>
+            <a:off x="2717158" y="0"/>
+            <a:ext cx="6757684" cy="6858000"/>
           </a:xfrm>
           <a:prstGeom prst="rect">
             <a:avLst/>
@@ -5442,7 +5453,7 @@
     </p:spTree>
     <p:extLst>
       <p:ext uri="{BB962C8B-B14F-4D97-AF65-F5344CB8AC3E}">
-        <p14:creationId xmlns:p14="http://schemas.microsoft.com/office/powerpoint/2010/main" val="2101721499"/>
+        <p14:creationId xmlns:p14="http://schemas.microsoft.com/office/powerpoint/2010/main" val="3576550956"/>
       </p:ext>
     </p:extLst>
   </p:cSld>
@@ -5486,80 +5497,6 @@
           <p:cNvPr id="3" name="Image 2">
             <a:extLst>
               <a:ext uri="{FF2B5EF4-FFF2-40B4-BE49-F238E27FC236}">
-                <a16:creationId xmlns:a16="http://schemas.microsoft.com/office/drawing/2014/main" id="{32D5D098-3CBB-80AC-4CC3-9994A0EC049E}"/>
-              </a:ext>
-            </a:extLst>
-          </p:cNvPr>
-          <p:cNvPicPr>
-            <a:picLocks noChangeAspect="1"/>
-          </p:cNvPicPr>
-          <p:nvPr/>
-        </p:nvPicPr>
-        <p:blipFill>
-          <a:blip r:embed="rId2">
-            <a:extLst>
-              <a:ext uri="{28A0092B-C50C-407E-A947-70E740481C1C}">
-                <a14:useLocalDpi xmlns:a14="http://schemas.microsoft.com/office/drawing/2010/main" val="0"/>
-              </a:ext>
-            </a:extLst>
-          </a:blip>
-          <a:stretch>
-            <a:fillRect/>
-          </a:stretch>
-        </p:blipFill>
-        <p:spPr>
-          <a:xfrm>
-            <a:off x="3114675" y="1443037"/>
-            <a:ext cx="5962650" cy="3971925"/>
-          </a:xfrm>
-          <a:prstGeom prst="rect">
-            <a:avLst/>
-          </a:prstGeom>
-        </p:spPr>
-      </p:pic>
-    </p:spTree>
-    <p:extLst>
-      <p:ext uri="{BB962C8B-B14F-4D97-AF65-F5344CB8AC3E}">
-        <p14:creationId xmlns:p14="http://schemas.microsoft.com/office/powerpoint/2010/main" val="1630466077"/>
-      </p:ext>
-    </p:extLst>
-  </p:cSld>
-  <p:clrMapOvr>
-    <a:masterClrMapping/>
-  </p:clrMapOvr>
-  <mc:AlternateContent xmlns:mc="http://schemas.openxmlformats.org/markup-compatibility/2006" xmlns:p14="http://schemas.microsoft.com/office/powerpoint/2010/main">
-    <mc:Choice Requires="p14">
-      <p:transition spd="slow" p14:dur="2000" advTm="10000"/>
-    </mc:Choice>
-    <mc:Fallback xmlns="">
-      <p:transition spd="slow" advTm="10000"/>
-    </mc:Fallback>
-  </mc:AlternateContent>
-</p:sld>
-</file>
-
-<file path=ppt/slides/slide19.xml><?xml version="1.0" encoding="utf-8"?>
-<p:sld xmlns:a="http://schemas.openxmlformats.org/drawingml/2006/main" xmlns:r="http://schemas.openxmlformats.org/officeDocument/2006/relationships" xmlns:p="http://schemas.openxmlformats.org/presentationml/2006/main">
-  <p:cSld>
-    <p:spTree>
-      <p:nvGrpSpPr>
-        <p:cNvPr id="1" name=""/>
-        <p:cNvGrpSpPr/>
-        <p:nvPr/>
-      </p:nvGrpSpPr>
-      <p:grpSpPr>
-        <a:xfrm>
-          <a:off x="0" y="0"/>
-          <a:ext cx="0" cy="0"/>
-          <a:chOff x="0" y="0"/>
-          <a:chExt cx="0" cy="0"/>
-        </a:xfrm>
-      </p:grpSpPr>
-      <p:pic>
-        <p:nvPicPr>
-          <p:cNvPr id="3" name="Image 2">
-            <a:extLst>
-              <a:ext uri="{FF2B5EF4-FFF2-40B4-BE49-F238E27FC236}">
                 <a16:creationId xmlns:a16="http://schemas.microsoft.com/office/drawing/2014/main" id="{A70BCA6C-E7A9-BAC6-9B0F-19F3CCEAACC3}"/>
               </a:ext>
             </a:extLst>
@@ -5602,18 +5539,129 @@
   <p:clrMapOvr>
     <a:masterClrMapping/>
   </p:clrMapOvr>
-  <mc:AlternateContent xmlns:mc="http://schemas.openxmlformats.org/markup-compatibility/2006" xmlns:p14="http://schemas.microsoft.com/office/powerpoint/2010/main">
-    <mc:Choice Requires="p14">
-      <p:transition spd="slow" p14:dur="2000" advTm="10000">
+  <mc:AlternateContent xmlns:mc="http://schemas.openxmlformats.org/markup-compatibility/2006">
+    <mc:Choice xmlns:p14="http://schemas.microsoft.com/office/powerpoint/2010/main" Requires="p14">
+      <p:transition spd="slow" p14:dur="2000" advTm="12000">
         <p:fade/>
       </p:transition>
     </mc:Choice>
-    <mc:Fallback xmlns="">
-      <p:transition spd="slow" advTm="10000">
+    <mc:Fallback>
+      <p:transition spd="slow" advTm="12000">
         <p:fade/>
       </p:transition>
     </mc:Fallback>
   </mc:AlternateContent>
+</p:sld>
+</file>
+
+<file path=ppt/slides/slide19.xml><?xml version="1.0" encoding="utf-8"?>
+<p:sld xmlns:a="http://schemas.openxmlformats.org/drawingml/2006/main" xmlns:r="http://schemas.openxmlformats.org/officeDocument/2006/relationships" xmlns:p="http://schemas.openxmlformats.org/presentationml/2006/main" show="0">
+  <p:cSld>
+    <p:spTree>
+      <p:nvGrpSpPr>
+        <p:cNvPr id="1" name=""/>
+        <p:cNvGrpSpPr/>
+        <p:nvPr/>
+      </p:nvGrpSpPr>
+      <p:grpSpPr>
+        <a:xfrm>
+          <a:off x="0" y="0"/>
+          <a:ext cx="0" cy="0"/>
+          <a:chOff x="0" y="0"/>
+          <a:chExt cx="0" cy="0"/>
+        </a:xfrm>
+      </p:grpSpPr>
+      <p:sp>
+        <p:nvSpPr>
+          <p:cNvPr id="2" name="Titre 1">
+            <a:extLst>
+              <a:ext uri="{FF2B5EF4-FFF2-40B4-BE49-F238E27FC236}">
+                <a16:creationId xmlns:a16="http://schemas.microsoft.com/office/drawing/2014/main" id="{875A042D-B1A7-DF47-A82C-0068D6725490}"/>
+              </a:ext>
+            </a:extLst>
+          </p:cNvPr>
+          <p:cNvSpPr>
+            <a:spLocks noGrp="1"/>
+          </p:cNvSpPr>
+          <p:nvPr>
+            <p:ph type="title"/>
+          </p:nvPr>
+        </p:nvSpPr>
+        <p:spPr>
+          <a:xfrm>
+            <a:off x="838200" y="365125"/>
+            <a:ext cx="10515600" cy="930275"/>
+          </a:xfrm>
+        </p:spPr>
+        <p:txBody>
+          <a:bodyPr/>
+          <a:lstStyle/>
+          <a:p>
+            <a:pPr algn="ctr"/>
+            <a:r>
+              <a:rPr lang="fr-FR" u="sng" dirty="0">
+                <a:solidFill>
+                  <a:srgbClr val="FF0000"/>
+                </a:solidFill>
+              </a:rPr>
+              <a:t>Les inconvénients et risques :</a:t>
+            </a:r>
+            <a:endParaRPr lang="LID4096" u="sng" dirty="0">
+              <a:solidFill>
+                <a:srgbClr val="FF0000"/>
+              </a:solidFill>
+            </a:endParaRPr>
+          </a:p>
+        </p:txBody>
+      </p:sp>
+      <p:sp>
+        <p:nvSpPr>
+          <p:cNvPr id="4" name="ZoneTexte 3">
+            <a:extLst>
+              <a:ext uri="{FF2B5EF4-FFF2-40B4-BE49-F238E27FC236}">
+                <a16:creationId xmlns:a16="http://schemas.microsoft.com/office/drawing/2014/main" id="{619D4064-B628-663C-563B-25779342813E}"/>
+              </a:ext>
+            </a:extLst>
+          </p:cNvPr>
+          <p:cNvSpPr txBox="1"/>
+          <p:nvPr/>
+        </p:nvSpPr>
+        <p:spPr>
+          <a:xfrm>
+            <a:off x="0" y="1295400"/>
+            <a:ext cx="12191999" cy="4103913"/>
+          </a:xfrm>
+          <a:prstGeom prst="rect">
+            <a:avLst/>
+          </a:prstGeom>
+          <a:noFill/>
+        </p:spPr>
+        <p:txBody>
+          <a:bodyPr wrap="square" rtlCol="0">
+            <a:spAutoFit/>
+          </a:bodyPr>
+          <a:lstStyle/>
+          <a:p>
+            <a:r>
+              <a:rPr lang="fr-FR" sz="2800" dirty="0"/>
+              <a:t>Cependant, un usage excessif ou mal encadré de ces outils peut entraîner plusieurs risques. Les étudiants peuvent être tentés de se reposer totalement sur la technologie, ce qui réduit l’apprentissage réel, la réflexion personnelle et les compétences de base comme la rédaction ou le calcul. L’IA peut produire des informations erronées ou biaisées et certains outils peuvent exposer des données personnelles si la sécurité n’est pas assurée. Enfin, la facilité de création de contenu peut favoriser le plagiat et diminuer la créativité propre. Il est donc essentiel d’utiliser ces technologies de manière responsable, critique et éthique.</a:t>
+            </a:r>
+          </a:p>
+          <a:p>
+            <a:endParaRPr lang="LID4096" sz="2800" dirty="0"/>
+          </a:p>
+        </p:txBody>
+      </p:sp>
+    </p:spTree>
+    <p:extLst>
+      <p:ext uri="{BB962C8B-B14F-4D97-AF65-F5344CB8AC3E}">
+        <p14:creationId xmlns:p14="http://schemas.microsoft.com/office/powerpoint/2010/main" val="2912999002"/>
+      </p:ext>
+    </p:extLst>
+  </p:cSld>
+  <p:clrMapOvr>
+    <a:masterClrMapping/>
+  </p:clrMapOvr>
 </p:sld>
 </file>
 
@@ -5758,117 +5806,6 @@
 </file>
 
 <file path=ppt/slides/slide20.xml><?xml version="1.0" encoding="utf-8"?>
-<p:sld xmlns:a="http://schemas.openxmlformats.org/drawingml/2006/main" xmlns:r="http://schemas.openxmlformats.org/officeDocument/2006/relationships" xmlns:p="http://schemas.openxmlformats.org/presentationml/2006/main" show="0">
-  <p:cSld>
-    <p:spTree>
-      <p:nvGrpSpPr>
-        <p:cNvPr id="1" name=""/>
-        <p:cNvGrpSpPr/>
-        <p:nvPr/>
-      </p:nvGrpSpPr>
-      <p:grpSpPr>
-        <a:xfrm>
-          <a:off x="0" y="0"/>
-          <a:ext cx="0" cy="0"/>
-          <a:chOff x="0" y="0"/>
-          <a:chExt cx="0" cy="0"/>
-        </a:xfrm>
-      </p:grpSpPr>
-      <p:sp>
-        <p:nvSpPr>
-          <p:cNvPr id="2" name="Titre 1">
-            <a:extLst>
-              <a:ext uri="{FF2B5EF4-FFF2-40B4-BE49-F238E27FC236}">
-                <a16:creationId xmlns:a16="http://schemas.microsoft.com/office/drawing/2014/main" id="{875A042D-B1A7-DF47-A82C-0068D6725490}"/>
-              </a:ext>
-            </a:extLst>
-          </p:cNvPr>
-          <p:cNvSpPr>
-            <a:spLocks noGrp="1"/>
-          </p:cNvSpPr>
-          <p:nvPr>
-            <p:ph type="title"/>
-          </p:nvPr>
-        </p:nvSpPr>
-        <p:spPr>
-          <a:xfrm>
-            <a:off x="838200" y="365125"/>
-            <a:ext cx="10515600" cy="930275"/>
-          </a:xfrm>
-        </p:spPr>
-        <p:txBody>
-          <a:bodyPr/>
-          <a:lstStyle/>
-          <a:p>
-            <a:pPr algn="ctr"/>
-            <a:r>
-              <a:rPr lang="fr-FR" u="sng" dirty="0">
-                <a:solidFill>
-                  <a:srgbClr val="FF0000"/>
-                </a:solidFill>
-              </a:rPr>
-              <a:t>Les inconvénients et risques :</a:t>
-            </a:r>
-            <a:endParaRPr lang="LID4096" u="sng" dirty="0">
-              <a:solidFill>
-                <a:srgbClr val="FF0000"/>
-              </a:solidFill>
-            </a:endParaRPr>
-          </a:p>
-        </p:txBody>
-      </p:sp>
-      <p:sp>
-        <p:nvSpPr>
-          <p:cNvPr id="4" name="ZoneTexte 3">
-            <a:extLst>
-              <a:ext uri="{FF2B5EF4-FFF2-40B4-BE49-F238E27FC236}">
-                <a16:creationId xmlns:a16="http://schemas.microsoft.com/office/drawing/2014/main" id="{619D4064-B628-663C-563B-25779342813E}"/>
-              </a:ext>
-            </a:extLst>
-          </p:cNvPr>
-          <p:cNvSpPr txBox="1"/>
-          <p:nvPr/>
-        </p:nvSpPr>
-        <p:spPr>
-          <a:xfrm>
-            <a:off x="0" y="1295400"/>
-            <a:ext cx="12191999" cy="4103913"/>
-          </a:xfrm>
-          <a:prstGeom prst="rect">
-            <a:avLst/>
-          </a:prstGeom>
-          <a:noFill/>
-        </p:spPr>
-        <p:txBody>
-          <a:bodyPr wrap="square" rtlCol="0">
-            <a:spAutoFit/>
-          </a:bodyPr>
-          <a:lstStyle/>
-          <a:p>
-            <a:r>
-              <a:rPr lang="fr-FR" sz="2800" dirty="0"/>
-              <a:t>Cependant, un usage excessif ou mal encadré de ces outils peut entraîner plusieurs risques. Les étudiants peuvent être tentés de se reposer totalement sur la technologie, ce qui réduit l’apprentissage réel, la réflexion personnelle et les compétences de base comme la rédaction ou le calcul. L’IA peut produire des informations erronées ou biaisées et certains outils peuvent exposer des données personnelles si la sécurité n’est pas assurée. Enfin, la facilité de création de contenu peut favoriser le plagiat et diminuer la créativité propre. Il est donc essentiel d’utiliser ces technologies de manière responsable, critique et éthique.</a:t>
-            </a:r>
-          </a:p>
-          <a:p>
-            <a:endParaRPr lang="LID4096" sz="2800" dirty="0"/>
-          </a:p>
-        </p:txBody>
-      </p:sp>
-    </p:spTree>
-    <p:extLst>
-      <p:ext uri="{BB962C8B-B14F-4D97-AF65-F5344CB8AC3E}">
-        <p14:creationId xmlns:p14="http://schemas.microsoft.com/office/powerpoint/2010/main" val="2912999002"/>
-      </p:ext>
-    </p:extLst>
-  </p:cSld>
-  <p:clrMapOvr>
-    <a:masterClrMapping/>
-  </p:clrMapOvr>
-</p:sld>
-</file>
-
-<file path=ppt/slides/slide21.xml><?xml version="1.0" encoding="utf-8"?>
 <p:sld xmlns:a="http://schemas.openxmlformats.org/drawingml/2006/main" xmlns:r="http://schemas.openxmlformats.org/officeDocument/2006/relationships" xmlns:p="http://schemas.openxmlformats.org/presentationml/2006/main">
   <p:cSld>
     <p:spTree>
@@ -6071,6 +6008,80 @@
 </p:sld>
 </file>
 
+<file path=ppt/slides/slide21.xml><?xml version="1.0" encoding="utf-8"?>
+<p:sld xmlns:a="http://schemas.openxmlformats.org/drawingml/2006/main" xmlns:r="http://schemas.openxmlformats.org/officeDocument/2006/relationships" xmlns:p="http://schemas.openxmlformats.org/presentationml/2006/main">
+  <p:cSld>
+    <p:spTree>
+      <p:nvGrpSpPr>
+        <p:cNvPr id="1" name=""/>
+        <p:cNvGrpSpPr/>
+        <p:nvPr/>
+      </p:nvGrpSpPr>
+      <p:grpSpPr>
+        <a:xfrm>
+          <a:off x="0" y="0"/>
+          <a:ext cx="0" cy="0"/>
+          <a:chOff x="0" y="0"/>
+          <a:chExt cx="0" cy="0"/>
+        </a:xfrm>
+      </p:grpSpPr>
+      <p:pic>
+        <p:nvPicPr>
+          <p:cNvPr id="3" name="Image 2">
+            <a:extLst>
+              <a:ext uri="{FF2B5EF4-FFF2-40B4-BE49-F238E27FC236}">
+                <a16:creationId xmlns:a16="http://schemas.microsoft.com/office/drawing/2014/main" id="{5B3A4D38-E4AD-52EE-DDA4-C2778B7CB121}"/>
+              </a:ext>
+            </a:extLst>
+          </p:cNvPr>
+          <p:cNvPicPr>
+            <a:picLocks noChangeAspect="1"/>
+          </p:cNvPicPr>
+          <p:nvPr/>
+        </p:nvPicPr>
+        <p:blipFill>
+          <a:blip r:embed="rId2">
+            <a:extLst>
+              <a:ext uri="{28A0092B-C50C-407E-A947-70E740481C1C}">
+                <a14:useLocalDpi xmlns:a14="http://schemas.microsoft.com/office/drawing/2010/main" val="0"/>
+              </a:ext>
+            </a:extLst>
+          </a:blip>
+          <a:stretch>
+            <a:fillRect/>
+          </a:stretch>
+        </p:blipFill>
+        <p:spPr>
+          <a:xfrm>
+            <a:off x="3048000" y="1714500"/>
+            <a:ext cx="6096000" cy="3429000"/>
+          </a:xfrm>
+          <a:prstGeom prst="rect">
+            <a:avLst/>
+          </a:prstGeom>
+        </p:spPr>
+      </p:pic>
+    </p:spTree>
+    <p:extLst>
+      <p:ext uri="{BB962C8B-B14F-4D97-AF65-F5344CB8AC3E}">
+        <p14:creationId xmlns:p14="http://schemas.microsoft.com/office/powerpoint/2010/main" val="3007583145"/>
+      </p:ext>
+    </p:extLst>
+  </p:cSld>
+  <p:clrMapOvr>
+    <a:masterClrMapping/>
+  </p:clrMapOvr>
+  <mc:AlternateContent xmlns:mc="http://schemas.openxmlformats.org/markup-compatibility/2006" xmlns:p14="http://schemas.microsoft.com/office/powerpoint/2010/main">
+    <mc:Choice Requires="p14">
+      <p:transition spd="slow" p14:dur="2000" advTm="10000"/>
+    </mc:Choice>
+    <mc:Fallback xmlns="">
+      <p:transition spd="slow" advTm="10000"/>
+    </mc:Fallback>
+  </mc:AlternateContent>
+</p:sld>
+</file>
+
 <file path=ppt/slides/slide22.xml><?xml version="1.0" encoding="utf-8"?>
 <p:sld xmlns:a="http://schemas.openxmlformats.org/drawingml/2006/main" xmlns:r="http://schemas.openxmlformats.org/officeDocument/2006/relationships" xmlns:p="http://schemas.openxmlformats.org/presentationml/2006/main">
   <p:cSld>
@@ -6093,7 +6104,7 @@
           <p:cNvPr id="3" name="Image 2">
             <a:extLst>
               <a:ext uri="{FF2B5EF4-FFF2-40B4-BE49-F238E27FC236}">
-                <a16:creationId xmlns:a16="http://schemas.microsoft.com/office/drawing/2014/main" id="{5B3A4D38-E4AD-52EE-DDA4-C2778B7CB121}"/>
+                <a16:creationId xmlns:a16="http://schemas.microsoft.com/office/drawing/2014/main" id="{FC2DBBD7-B972-0814-31F3-5773C4B27094}"/>
               </a:ext>
             </a:extLst>
           </p:cNvPr>
@@ -6116,8 +6127,8 @@
         </p:blipFill>
         <p:spPr>
           <a:xfrm>
-            <a:off x="3048000" y="1714500"/>
-            <a:ext cx="6096000" cy="3429000"/>
+            <a:off x="2667000" y="0"/>
+            <a:ext cx="6858000" cy="6858000"/>
           </a:xfrm>
           <a:prstGeom prst="rect">
             <a:avLst/>
@@ -6127,7 +6138,7 @@
     </p:spTree>
     <p:extLst>
       <p:ext uri="{BB962C8B-B14F-4D97-AF65-F5344CB8AC3E}">
-        <p14:creationId xmlns:p14="http://schemas.microsoft.com/office/powerpoint/2010/main" val="3007583145"/>
+        <p14:creationId xmlns:p14="http://schemas.microsoft.com/office/powerpoint/2010/main" val="312139995"/>
       </p:ext>
     </p:extLst>
   </p:cSld>
@@ -6167,80 +6178,6 @@
           <p:cNvPr id="3" name="Image 2">
             <a:extLst>
               <a:ext uri="{FF2B5EF4-FFF2-40B4-BE49-F238E27FC236}">
-                <a16:creationId xmlns:a16="http://schemas.microsoft.com/office/drawing/2014/main" id="{FC2DBBD7-B972-0814-31F3-5773C4B27094}"/>
-              </a:ext>
-            </a:extLst>
-          </p:cNvPr>
-          <p:cNvPicPr>
-            <a:picLocks noChangeAspect="1"/>
-          </p:cNvPicPr>
-          <p:nvPr/>
-        </p:nvPicPr>
-        <p:blipFill>
-          <a:blip r:embed="rId2">
-            <a:extLst>
-              <a:ext uri="{28A0092B-C50C-407E-A947-70E740481C1C}">
-                <a14:useLocalDpi xmlns:a14="http://schemas.microsoft.com/office/drawing/2010/main" val="0"/>
-              </a:ext>
-            </a:extLst>
-          </a:blip>
-          <a:stretch>
-            <a:fillRect/>
-          </a:stretch>
-        </p:blipFill>
-        <p:spPr>
-          <a:xfrm>
-            <a:off x="2667000" y="0"/>
-            <a:ext cx="6858000" cy="6858000"/>
-          </a:xfrm>
-          <a:prstGeom prst="rect">
-            <a:avLst/>
-          </a:prstGeom>
-        </p:spPr>
-      </p:pic>
-    </p:spTree>
-    <p:extLst>
-      <p:ext uri="{BB962C8B-B14F-4D97-AF65-F5344CB8AC3E}">
-        <p14:creationId xmlns:p14="http://schemas.microsoft.com/office/powerpoint/2010/main" val="312139995"/>
-      </p:ext>
-    </p:extLst>
-  </p:cSld>
-  <p:clrMapOvr>
-    <a:masterClrMapping/>
-  </p:clrMapOvr>
-  <mc:AlternateContent xmlns:mc="http://schemas.openxmlformats.org/markup-compatibility/2006" xmlns:p14="http://schemas.microsoft.com/office/powerpoint/2010/main">
-    <mc:Choice Requires="p14">
-      <p:transition spd="slow" p14:dur="2000" advTm="10000"/>
-    </mc:Choice>
-    <mc:Fallback xmlns="">
-      <p:transition spd="slow" advTm="10000"/>
-    </mc:Fallback>
-  </mc:AlternateContent>
-</p:sld>
-</file>
-
-<file path=ppt/slides/slide24.xml><?xml version="1.0" encoding="utf-8"?>
-<p:sld xmlns:a="http://schemas.openxmlformats.org/drawingml/2006/main" xmlns:r="http://schemas.openxmlformats.org/officeDocument/2006/relationships" xmlns:p="http://schemas.openxmlformats.org/presentationml/2006/main">
-  <p:cSld>
-    <p:spTree>
-      <p:nvGrpSpPr>
-        <p:cNvPr id="1" name=""/>
-        <p:cNvGrpSpPr/>
-        <p:nvPr/>
-      </p:nvGrpSpPr>
-      <p:grpSpPr>
-        <a:xfrm>
-          <a:off x="0" y="0"/>
-          <a:ext cx="0" cy="0"/>
-          <a:chOff x="0" y="0"/>
-          <a:chExt cx="0" cy="0"/>
-        </a:xfrm>
-      </p:grpSpPr>
-      <p:pic>
-        <p:nvPicPr>
-          <p:cNvPr id="3" name="Image 2">
-            <a:extLst>
-              <a:ext uri="{FF2B5EF4-FFF2-40B4-BE49-F238E27FC236}">
                 <a16:creationId xmlns:a16="http://schemas.microsoft.com/office/drawing/2014/main" id="{96ABCE0B-B722-B4E9-5019-C2B324DE45DD}"/>
               </a:ext>
             </a:extLst>
@@ -6282,18 +6219,18 @@
   <p:clrMapOvr>
     <a:masterClrMapping/>
   </p:clrMapOvr>
-  <mc:AlternateContent xmlns:mc="http://schemas.openxmlformats.org/markup-compatibility/2006">
-    <mc:Choice xmlns:p14="http://schemas.microsoft.com/office/powerpoint/2010/main" Requires="p14">
+  <mc:AlternateContent xmlns:mc="http://schemas.openxmlformats.org/markup-compatibility/2006" xmlns:p14="http://schemas.microsoft.com/office/powerpoint/2010/main">
+    <mc:Choice Requires="p14">
       <p:transition spd="slow" p14:dur="2000" advTm="6000"/>
     </mc:Choice>
-    <mc:Fallback>
+    <mc:Fallback xmlns="">
       <p:transition spd="slow" advTm="6000"/>
     </mc:Fallback>
   </mc:AlternateContent>
 </p:sld>
 </file>
 
-<file path=ppt/slides/slide25.xml><?xml version="1.0" encoding="utf-8"?>
+<file path=ppt/slides/slide24.xml><?xml version="1.0" encoding="utf-8"?>
 <p:sld xmlns:a="http://schemas.openxmlformats.org/drawingml/2006/main" xmlns:r="http://schemas.openxmlformats.org/officeDocument/2006/relationships" xmlns:p="http://schemas.openxmlformats.org/presentationml/2006/main" show="0">
   <p:cSld>
     <p:spTree>
@@ -6404,7 +6341,7 @@
 </p:sld>
 </file>
 
-<file path=ppt/slides/slide26.xml><?xml version="1.0" encoding="utf-8"?>
+<file path=ppt/slides/slide25.xml><?xml version="1.0" encoding="utf-8"?>
 <p:sld xmlns:a="http://schemas.openxmlformats.org/drawingml/2006/main" xmlns:r="http://schemas.openxmlformats.org/officeDocument/2006/relationships" xmlns:p="http://schemas.openxmlformats.org/presentationml/2006/main">
   <p:cSld>
     <p:spTree>
